--- a/picture/vitrualization/kvm/interupt/interupt.pptx
+++ b/picture/vitrualization/kvm/interupt/interupt.pptx
@@ -14,8 +14,8 @@
     <p:sldId id="256" r:id="rId3"/>
     <p:sldId id="265" r:id="rId4"/>
     <p:sldId id="266" r:id="rId5"/>
-    <p:sldId id="258" r:id="rId6"/>
-    <p:sldId id="259" r:id="rId7"/>
+    <p:sldId id="259" r:id="rId6"/>
+    <p:sldId id="258" r:id="rId7"/>
     <p:sldId id="260" r:id="rId8"/>
   </p:sldIdLst>
   <p:sldSz cx="12192000" cy="6858000"/>
@@ -8239,7 +8239,7 @@
           </a:bodyPr>
           <a:p>
             <a:r>
-              <a:rPr lang="zh-CN" altLang="" b="1">
+              <a:rPr lang="zh-CN" altLang="en-US" b="1">
                 <a:solidFill>
                   <a:srgbClr val="2C3E50"/>
                 </a:solidFill>
@@ -8282,14 +8282,51 @@
       <p:grpSpPr/>
       <p:sp>
         <p:nvSpPr>
-          <p:cNvPr id="2" name="矩形 1"/>
+          <p:cNvPr id="2" name="文本框 1"/>
+          <p:cNvSpPr txBox="true"/>
+          <p:nvPr/>
+        </p:nvSpPr>
+        <p:spPr>
+          <a:xfrm>
+            <a:off x="471805" y="610235"/>
+            <a:ext cx="1791970" cy="368300"/>
+          </a:xfrm>
+          <a:prstGeom prst="rect">
+            <a:avLst/>
+          </a:prstGeom>
+          <a:noFill/>
+        </p:spPr>
+        <p:txBody>
+          <a:bodyPr wrap="none" rtlCol="0">
+            <a:spAutoFit/>
+          </a:bodyPr>
+          <a:p>
+            <a:r>
+              <a:rPr lang="zh-CN" altLang="en-US" b="1">
+                <a:solidFill>
+                  <a:srgbClr val="2C3E50"/>
+                </a:solidFill>
+              </a:rPr>
+              <a:t>中断重映射机制</a:t>
+            </a:r>
+            <a:endParaRPr lang="zh-CN" altLang="en-US" b="1">
+              <a:solidFill>
+                <a:srgbClr val="2C3E50"/>
+              </a:solidFill>
+            </a:endParaRPr>
+          </a:p>
+        </p:txBody>
+      </p:sp>
+      <p:sp>
+        <p:nvSpPr>
+          <p:cNvPr id="35" name="矩形 34"/>
           <p:cNvSpPr/>
           <p:nvPr/>
         </p:nvSpPr>
         <p:spPr>
           <a:xfrm>
-            <a:off x="1351280" y="1028700"/>
-            <a:ext cx="1020445" cy="297180"/>
+            <a:off x="1243330" y="2739390"/>
+            <a:ext cx="1101725" cy="704215"/>
           </a:xfrm>
           <a:prstGeom prst="rect">
             <a:avLst/>
@@ -8330,24 +8367,48 @@
           <a:bodyPr rtlCol="0" anchor="ctr"/>
           <a:p>
             <a:pPr algn="ctr"/>
-            <a:endParaRPr lang="en-US" altLang="zh-CN" sz="1200" b="1">
+            <a:r>
+              <a:rPr lang="" altLang="en-US" sz="1200" b="1">
+                <a:solidFill>
+                  <a:srgbClr val="2C3E50"/>
+                </a:solidFill>
+              </a:rPr>
+              <a:t>passthrough</a:t>
+            </a:r>
+            <a:endParaRPr lang="" altLang="en-US" sz="1200" b="1">
               <a:solidFill>
                 <a:srgbClr val="2C3E50"/>
               </a:solidFill>
             </a:endParaRPr>
           </a:p>
-        </p:txBody>
-      </p:sp>
-      <p:sp>
-        <p:nvSpPr>
-          <p:cNvPr id="3" name="矩形 2"/>
+          <a:p>
+            <a:pPr algn="ctr"/>
+            <a:r>
+              <a:rPr lang="" altLang="en-US" sz="1200" b="1">
+                <a:solidFill>
+                  <a:srgbClr val="2C3E50"/>
+                </a:solidFill>
+              </a:rPr>
+              <a:t>DEV</a:t>
+            </a:r>
+            <a:endParaRPr lang="" altLang="en-US" sz="1200" b="1">
+              <a:solidFill>
+                <a:srgbClr val="2C3E50"/>
+              </a:solidFill>
+            </a:endParaRPr>
+          </a:p>
+        </p:txBody>
+      </p:sp>
+      <p:sp>
+        <p:nvSpPr>
+          <p:cNvPr id="36" name="矩形 35"/>
           <p:cNvSpPr/>
           <p:nvPr/>
         </p:nvSpPr>
         <p:spPr>
           <a:xfrm>
-            <a:off x="1351280" y="1326515"/>
-            <a:ext cx="1020445" cy="297180"/>
+            <a:off x="4060190" y="2704465"/>
+            <a:ext cx="1450340" cy="773430"/>
           </a:xfrm>
           <a:prstGeom prst="rect">
             <a:avLst/>
@@ -8389,31 +8450,47 @@
           <a:p>
             <a:pPr algn="ctr"/>
             <a:r>
-              <a:rPr lang="en-US" altLang="zh-CN" sz="1200" b="1">
-                <a:solidFill>
-                  <a:srgbClr val="2C3E50"/>
-                </a:solidFill>
-              </a:rPr>
-              <a:t>irq_routing</a:t>
-            </a:r>
-            <a:endParaRPr lang="en-US" altLang="zh-CN" sz="1200" b="1">
+              <a:rPr lang="" altLang="en-US" sz="1200" b="1">
+                <a:solidFill>
+                  <a:srgbClr val="2C3E50"/>
+                </a:solidFill>
+              </a:rPr>
+              <a:t>interrupt remaping</a:t>
+            </a:r>
+            <a:endParaRPr lang="" altLang="en-US" sz="1200" b="1">
               <a:solidFill>
                 <a:srgbClr val="2C3E50"/>
               </a:solidFill>
             </a:endParaRPr>
           </a:p>
-        </p:txBody>
-      </p:sp>
-      <p:sp>
-        <p:nvSpPr>
-          <p:cNvPr id="4" name="矩形 3"/>
+          <a:p>
+            <a:pPr algn="ctr"/>
+            <a:r>
+              <a:rPr lang="" altLang="en-US" sz="1200" b="1">
+                <a:solidFill>
+                  <a:srgbClr val="2C3E50"/>
+                </a:solidFill>
+              </a:rPr>
+              <a:t>hardware uint</a:t>
+            </a:r>
+            <a:endParaRPr lang="" altLang="en-US" sz="1200" b="1">
+              <a:solidFill>
+                <a:srgbClr val="2C3E50"/>
+              </a:solidFill>
+            </a:endParaRPr>
+          </a:p>
+        </p:txBody>
+      </p:sp>
+      <p:sp>
+        <p:nvSpPr>
+          <p:cNvPr id="37" name="矩形 36"/>
           <p:cNvSpPr/>
           <p:nvPr/>
         </p:nvSpPr>
         <p:spPr>
           <a:xfrm>
-            <a:off x="1351280" y="1624330"/>
-            <a:ext cx="1020445" cy="297180"/>
+            <a:off x="7108825" y="2840990"/>
+            <a:ext cx="1786890" cy="500380"/>
           </a:xfrm>
           <a:prstGeom prst="rect">
             <a:avLst/>
@@ -8454,6 +8531,213 @@
           <a:bodyPr rtlCol="0" anchor="ctr"/>
           <a:p>
             <a:pPr algn="ctr"/>
+            <a:r>
+              <a:rPr lang="" altLang="en-US" sz="1200" b="1">
+                <a:solidFill>
+                  <a:srgbClr val="2C3E50"/>
+                </a:solidFill>
+              </a:rPr>
+              <a:t>posted interrupt descriptor</a:t>
+            </a:r>
+            <a:endParaRPr lang="" altLang="en-US" sz="1200" b="1">
+              <a:solidFill>
+                <a:srgbClr val="2C3E50"/>
+              </a:solidFill>
+            </a:endParaRPr>
+          </a:p>
+        </p:txBody>
+      </p:sp>
+      <p:sp>
+        <p:nvSpPr>
+          <p:cNvPr id="38" name="矩形 37"/>
+          <p:cNvSpPr/>
+          <p:nvPr/>
+        </p:nvSpPr>
+        <p:spPr>
+          <a:xfrm>
+            <a:off x="4080510" y="1381125"/>
+            <a:ext cx="1410335" cy="703580"/>
+          </a:xfrm>
+          <a:prstGeom prst="rect">
+            <a:avLst/>
+          </a:prstGeom>
+          <a:noFill/>
+          <a:ln w="28575">
+            <a:solidFill>
+              <a:srgbClr val="2C3E50"/>
+            </a:solidFill>
+          </a:ln>
+          <a:extLst>
+            <a:ext uri="{909E8E84-426E-40DD-AFC4-6F175D3DCCD1}">
+              <a14:hiddenFill xmlns:a14="http://schemas.microsoft.com/office/drawing/2010/main">
+                <a:solidFill>
+                  <a:schemeClr val="accent1"/>
+                </a:solidFill>
+              </a14:hiddenFill>
+            </a:ext>
+          </a:extLst>
+        </p:spPr>
+        <p:style>
+          <a:lnRef idx="2">
+            <a:schemeClr val="accent1">
+              <a:shade val="50000"/>
+            </a:schemeClr>
+          </a:lnRef>
+          <a:fillRef idx="1">
+            <a:schemeClr val="accent1"/>
+          </a:fillRef>
+          <a:effectRef idx="0">
+            <a:schemeClr val="accent1"/>
+          </a:effectRef>
+          <a:fontRef idx="minor">
+            <a:schemeClr val="lt1"/>
+          </a:fontRef>
+        </p:style>
+        <p:txBody>
+          <a:bodyPr rtlCol="0" anchor="ctr"/>
+          <a:p>
+            <a:pPr algn="ctr"/>
+            <a:r>
+              <a:rPr lang="" altLang="en-US" sz="1200" b="1">
+                <a:solidFill>
+                  <a:srgbClr val="2C3E50"/>
+                </a:solidFill>
+              </a:rPr>
+              <a:t>VCPU</a:t>
+            </a:r>
+            <a:endParaRPr lang="" altLang="en-US" sz="1200" b="1">
+              <a:solidFill>
+                <a:srgbClr val="2C3E50"/>
+              </a:solidFill>
+            </a:endParaRPr>
+          </a:p>
+        </p:txBody>
+      </p:sp>
+      <p:sp>
+        <p:nvSpPr>
+          <p:cNvPr id="40" name="矩形 39"/>
+          <p:cNvSpPr/>
+          <p:nvPr/>
+        </p:nvSpPr>
+        <p:spPr>
+          <a:xfrm>
+            <a:off x="4354830" y="4589780"/>
+            <a:ext cx="1020445" cy="297180"/>
+          </a:xfrm>
+          <a:prstGeom prst="rect">
+            <a:avLst/>
+          </a:prstGeom>
+          <a:noFill/>
+          <a:ln w="28575">
+            <a:solidFill>
+              <a:srgbClr val="2C3E50"/>
+            </a:solidFill>
+          </a:ln>
+          <a:extLst>
+            <a:ext uri="{909E8E84-426E-40DD-AFC4-6F175D3DCCD1}">
+              <a14:hiddenFill xmlns:a14="http://schemas.microsoft.com/office/drawing/2010/main">
+                <a:solidFill>
+                  <a:schemeClr val="accent1"/>
+                </a:solidFill>
+              </a14:hiddenFill>
+            </a:ext>
+          </a:extLst>
+        </p:spPr>
+        <p:style>
+          <a:lnRef idx="2">
+            <a:schemeClr val="accent1">
+              <a:shade val="50000"/>
+            </a:schemeClr>
+          </a:lnRef>
+          <a:fillRef idx="1">
+            <a:schemeClr val="accent1"/>
+          </a:fillRef>
+          <a:effectRef idx="0">
+            <a:schemeClr val="accent1"/>
+          </a:effectRef>
+          <a:fontRef idx="minor">
+            <a:schemeClr val="lt1"/>
+          </a:fontRef>
+        </p:style>
+        <p:txBody>
+          <a:bodyPr rtlCol="0" anchor="ctr"/>
+          <a:p>
+            <a:pPr algn="ctr"/>
+            <a:r>
+              <a:rPr lang="" altLang="en-US" sz="1200" b="1">
+                <a:solidFill>
+                  <a:srgbClr val="2C3E50"/>
+                </a:solidFill>
+              </a:rPr>
+              <a:t>IRTE</a:t>
+            </a:r>
+            <a:endParaRPr lang="" altLang="en-US" sz="1200" b="1">
+              <a:solidFill>
+                <a:srgbClr val="2C3E50"/>
+              </a:solidFill>
+            </a:endParaRPr>
+          </a:p>
+        </p:txBody>
+      </p:sp>
+      <p:sp>
+        <p:nvSpPr>
+          <p:cNvPr id="42" name="矩形 41"/>
+          <p:cNvSpPr/>
+          <p:nvPr/>
+        </p:nvSpPr>
+        <p:spPr>
+          <a:xfrm>
+            <a:off x="4354830" y="4886960"/>
+            <a:ext cx="1020445" cy="297180"/>
+          </a:xfrm>
+          <a:prstGeom prst="rect">
+            <a:avLst/>
+          </a:prstGeom>
+          <a:noFill/>
+          <a:ln w="28575">
+            <a:solidFill>
+              <a:srgbClr val="2C3E50"/>
+            </a:solidFill>
+          </a:ln>
+          <a:extLst>
+            <a:ext uri="{909E8E84-426E-40DD-AFC4-6F175D3DCCD1}">
+              <a14:hiddenFill xmlns:a14="http://schemas.microsoft.com/office/drawing/2010/main">
+                <a:solidFill>
+                  <a:schemeClr val="accent1"/>
+                </a:solidFill>
+              </a14:hiddenFill>
+            </a:ext>
+          </a:extLst>
+        </p:spPr>
+        <p:style>
+          <a:lnRef idx="2">
+            <a:schemeClr val="accent1">
+              <a:shade val="50000"/>
+            </a:schemeClr>
+          </a:lnRef>
+          <a:fillRef idx="1">
+            <a:schemeClr val="accent1"/>
+          </a:fillRef>
+          <a:effectRef idx="0">
+            <a:schemeClr val="accent1"/>
+          </a:effectRef>
+          <a:fontRef idx="minor">
+            <a:schemeClr val="lt1"/>
+          </a:fontRef>
+        </p:style>
+        <p:txBody>
+          <a:bodyPr rtlCol="0" anchor="ctr"/>
+          <a:p>
+            <a:pPr algn="ctr"/>
+            <a:r>
+              <a:rPr lang="en-US" altLang="en-US" sz="1200" b="1">
+                <a:solidFill>
+                  <a:srgbClr val="2C3E50"/>
+                </a:solidFill>
+                <a:sym typeface="+mn-ea"/>
+              </a:rPr>
+              <a:t>IRTE</a:t>
+            </a:r>
             <a:endParaRPr lang="en-US" altLang="zh-CN" sz="1200" b="1">
               <a:solidFill>
                 <a:srgbClr val="2C3E50"/>
@@ -8464,14 +8748,179 @@
       </p:sp>
       <p:sp>
         <p:nvSpPr>
-          <p:cNvPr id="5" name="文本框 4"/>
+          <p:cNvPr id="43" name="矩形 42"/>
+          <p:cNvSpPr/>
+          <p:nvPr/>
+        </p:nvSpPr>
+        <p:spPr>
+          <a:xfrm>
+            <a:off x="4354830" y="5184140"/>
+            <a:ext cx="1020445" cy="656590"/>
+          </a:xfrm>
+          <a:prstGeom prst="rect">
+            <a:avLst/>
+          </a:prstGeom>
+          <a:noFill/>
+          <a:ln w="28575">
+            <a:solidFill>
+              <a:srgbClr val="2C3E50"/>
+            </a:solidFill>
+          </a:ln>
+          <a:extLst>
+            <a:ext uri="{909E8E84-426E-40DD-AFC4-6F175D3DCCD1}">
+              <a14:hiddenFill xmlns:a14="http://schemas.microsoft.com/office/drawing/2010/main">
+                <a:solidFill>
+                  <a:schemeClr val="accent1"/>
+                </a:solidFill>
+              </a14:hiddenFill>
+            </a:ext>
+          </a:extLst>
+        </p:spPr>
+        <p:style>
+          <a:lnRef idx="2">
+            <a:schemeClr val="accent1">
+              <a:shade val="50000"/>
+            </a:schemeClr>
+          </a:lnRef>
+          <a:fillRef idx="1">
+            <a:schemeClr val="accent1"/>
+          </a:fillRef>
+          <a:effectRef idx="0">
+            <a:schemeClr val="accent1"/>
+          </a:effectRef>
+          <a:fontRef idx="minor">
+            <a:schemeClr val="lt1"/>
+          </a:fontRef>
+        </p:style>
+        <p:txBody>
+          <a:bodyPr rtlCol="0" anchor="ctr"/>
+          <a:p>
+            <a:pPr algn="ctr"/>
+            <a:r>
+              <a:rPr lang="" altLang="en-US" sz="1200" b="1">
+                <a:solidFill>
+                  <a:srgbClr val="2C3E50"/>
+                </a:solidFill>
+              </a:rPr>
+              <a:t>.</a:t>
+            </a:r>
+            <a:endParaRPr lang="" altLang="en-US" sz="1200" b="1">
+              <a:solidFill>
+                <a:srgbClr val="2C3E50"/>
+              </a:solidFill>
+            </a:endParaRPr>
+          </a:p>
+          <a:p>
+            <a:pPr algn="ctr"/>
+            <a:r>
+              <a:rPr lang="" altLang="en-US" sz="1200" b="1">
+                <a:solidFill>
+                  <a:srgbClr val="2C3E50"/>
+                </a:solidFill>
+              </a:rPr>
+              <a:t>.</a:t>
+            </a:r>
+            <a:endParaRPr lang="" altLang="en-US" sz="1200" b="1">
+              <a:solidFill>
+                <a:srgbClr val="2C3E50"/>
+              </a:solidFill>
+            </a:endParaRPr>
+          </a:p>
+          <a:p>
+            <a:pPr algn="ctr"/>
+            <a:r>
+              <a:rPr lang="" altLang="en-US" sz="1200" b="1">
+                <a:solidFill>
+                  <a:srgbClr val="2C3E50"/>
+                </a:solidFill>
+              </a:rPr>
+              <a:t>.</a:t>
+            </a:r>
+            <a:endParaRPr lang="" altLang="en-US" sz="1200" b="1">
+              <a:solidFill>
+                <a:srgbClr val="2C3E50"/>
+              </a:solidFill>
+            </a:endParaRPr>
+          </a:p>
+        </p:txBody>
+      </p:sp>
+      <p:sp>
+        <p:nvSpPr>
+          <p:cNvPr id="3" name="矩形 2"/>
+          <p:cNvSpPr/>
+          <p:nvPr/>
+        </p:nvSpPr>
+        <p:spPr>
+          <a:xfrm>
+            <a:off x="4354830" y="5840730"/>
+            <a:ext cx="1020445" cy="297180"/>
+          </a:xfrm>
+          <a:prstGeom prst="rect">
+            <a:avLst/>
+          </a:prstGeom>
+          <a:noFill/>
+          <a:ln w="28575">
+            <a:solidFill>
+              <a:srgbClr val="2C3E50"/>
+            </a:solidFill>
+          </a:ln>
+          <a:extLst>
+            <a:ext uri="{909E8E84-426E-40DD-AFC4-6F175D3DCCD1}">
+              <a14:hiddenFill xmlns:a14="http://schemas.microsoft.com/office/drawing/2010/main">
+                <a:solidFill>
+                  <a:schemeClr val="accent1"/>
+                </a:solidFill>
+              </a14:hiddenFill>
+            </a:ext>
+          </a:extLst>
+        </p:spPr>
+        <p:style>
+          <a:lnRef idx="2">
+            <a:schemeClr val="accent1">
+              <a:shade val="50000"/>
+            </a:schemeClr>
+          </a:lnRef>
+          <a:fillRef idx="1">
+            <a:schemeClr val="accent1"/>
+          </a:fillRef>
+          <a:effectRef idx="0">
+            <a:schemeClr val="accent1"/>
+          </a:effectRef>
+          <a:fontRef idx="minor">
+            <a:schemeClr val="lt1"/>
+          </a:fontRef>
+        </p:style>
+        <p:txBody>
+          <a:bodyPr rtlCol="0" anchor="ctr"/>
+          <a:p>
+            <a:pPr algn="ctr"/>
+            <a:r>
+              <a:rPr lang="en-US" altLang="en-US" sz="1200" b="1">
+                <a:solidFill>
+                  <a:srgbClr val="2C3E50"/>
+                </a:solidFill>
+                <a:sym typeface="+mn-ea"/>
+              </a:rPr>
+              <a:t>IRTE</a:t>
+            </a:r>
+            <a:endParaRPr lang="en-US" altLang="zh-CN" sz="1200" b="1">
+              <a:solidFill>
+                <a:srgbClr val="2C3E50"/>
+              </a:solidFill>
+            </a:endParaRPr>
+          </a:p>
+        </p:txBody>
+      </p:sp>
+      <p:sp>
+        <p:nvSpPr>
+          <p:cNvPr id="4" name="文本框 3"/>
           <p:cNvSpPr txBox="true"/>
           <p:nvPr/>
         </p:nvSpPr>
         <p:spPr>
           <a:xfrm>
-            <a:off x="1280160" y="660400"/>
-            <a:ext cx="614680" cy="368300"/>
+            <a:off x="3942715" y="6137910"/>
+            <a:ext cx="1432560" cy="306705"/>
           </a:xfrm>
           <a:prstGeom prst="rect">
             <a:avLst/>
@@ -8484,14 +8933,918 @@
           </a:bodyPr>
           <a:p>
             <a:r>
+              <a:rPr lang="" altLang="zh-CN" sz="1400" b="1">
+                <a:solidFill>
+                  <a:srgbClr val="2C3E50"/>
+                </a:solidFill>
+              </a:rPr>
+              <a:t>remapping table</a:t>
+            </a:r>
+            <a:endParaRPr lang="" altLang="zh-CN" sz="1400" b="1">
+              <a:solidFill>
+                <a:srgbClr val="2C3E50"/>
+              </a:solidFill>
+            </a:endParaRPr>
+          </a:p>
+        </p:txBody>
+      </p:sp>
+      <p:sp>
+        <p:nvSpPr>
+          <p:cNvPr id="5" name="矩形 4"/>
+          <p:cNvSpPr/>
+          <p:nvPr/>
+        </p:nvSpPr>
+        <p:spPr>
+          <a:xfrm>
+            <a:off x="6956425" y="1334135"/>
+            <a:ext cx="2092325" cy="798195"/>
+          </a:xfrm>
+          <a:prstGeom prst="rect">
+            <a:avLst/>
+          </a:prstGeom>
+          <a:noFill/>
+          <a:ln w="28575">
+            <a:solidFill>
+              <a:srgbClr val="2C3E50"/>
+            </a:solidFill>
+          </a:ln>
+          <a:extLst>
+            <a:ext uri="{909E8E84-426E-40DD-AFC4-6F175D3DCCD1}">
+              <a14:hiddenFill xmlns:a14="http://schemas.microsoft.com/office/drawing/2010/main">
+                <a:solidFill>
+                  <a:schemeClr val="accent1"/>
+                </a:solidFill>
+              </a14:hiddenFill>
+            </a:ext>
+          </a:extLst>
+        </p:spPr>
+        <p:style>
+          <a:lnRef idx="2">
+            <a:schemeClr val="accent1">
+              <a:shade val="50000"/>
+            </a:schemeClr>
+          </a:lnRef>
+          <a:fillRef idx="1">
+            <a:schemeClr val="accent1"/>
+          </a:fillRef>
+          <a:effectRef idx="0">
+            <a:schemeClr val="accent1"/>
+          </a:effectRef>
+          <a:fontRef idx="minor">
+            <a:schemeClr val="lt1"/>
+          </a:fontRef>
+        </p:style>
+        <p:txBody>
+          <a:bodyPr rtlCol="0" anchor="ctr"/>
+          <a:p>
+            <a:pPr algn="ctr"/>
+            <a:endParaRPr lang="en-US" altLang="zh-CN" sz="1200" b="1">
+              <a:solidFill>
+                <a:srgbClr val="2C3E50"/>
+              </a:solidFill>
+            </a:endParaRPr>
+          </a:p>
+        </p:txBody>
+      </p:sp>
+      <p:sp>
+        <p:nvSpPr>
+          <p:cNvPr id="6" name="矩形 5"/>
+          <p:cNvSpPr/>
+          <p:nvPr/>
+        </p:nvSpPr>
+        <p:spPr>
+          <a:xfrm>
+            <a:off x="8011795" y="1450340"/>
+            <a:ext cx="1034415" cy="566420"/>
+          </a:xfrm>
+          <a:prstGeom prst="rect">
+            <a:avLst/>
+          </a:prstGeom>
+          <a:noFill/>
+          <a:ln w="28575">
+            <a:solidFill>
+              <a:srgbClr val="2C3E50"/>
+            </a:solidFill>
+          </a:ln>
+          <a:extLst>
+            <a:ext uri="{909E8E84-426E-40DD-AFC4-6F175D3DCCD1}">
+              <a14:hiddenFill xmlns:a14="http://schemas.microsoft.com/office/drawing/2010/main">
+                <a:solidFill>
+                  <a:schemeClr val="accent1"/>
+                </a:solidFill>
+              </a14:hiddenFill>
+            </a:ext>
+          </a:extLst>
+        </p:spPr>
+        <p:style>
+          <a:lnRef idx="2">
+            <a:schemeClr val="accent1">
+              <a:shade val="50000"/>
+            </a:schemeClr>
+          </a:lnRef>
+          <a:fillRef idx="1">
+            <a:schemeClr val="accent1"/>
+          </a:fillRef>
+          <a:effectRef idx="0">
+            <a:schemeClr val="accent1"/>
+          </a:effectRef>
+          <a:fontRef idx="minor">
+            <a:schemeClr val="lt1"/>
+          </a:fontRef>
+        </p:style>
+        <p:txBody>
+          <a:bodyPr rtlCol="0" anchor="ctr"/>
+          <a:p>
+            <a:pPr algn="ctr"/>
+            <a:r>
+              <a:rPr lang="en-US" altLang="en-US" sz="1000" b="1">
+                <a:solidFill>
+                  <a:srgbClr val="2C3E50"/>
+                </a:solidFill>
+              </a:rPr>
+              <a:t>virtual-APIC</a:t>
+            </a:r>
+            <a:br>
+              <a:rPr lang="en-US" altLang="en-US" sz="1000" b="1">
+                <a:solidFill>
+                  <a:srgbClr val="2C3E50"/>
+                </a:solidFill>
+              </a:rPr>
+            </a:br>
+            <a:r>
+              <a:rPr lang="en-US" altLang="en-US" sz="1000" b="1">
+                <a:solidFill>
+                  <a:srgbClr val="2C3E50"/>
+                </a:solidFill>
+              </a:rPr>
+              <a:t>logic</a:t>
+            </a:r>
+            <a:endParaRPr lang="en-US" altLang="en-US" sz="1000" b="1">
+              <a:solidFill>
+                <a:srgbClr val="2C3E50"/>
+              </a:solidFill>
+            </a:endParaRPr>
+          </a:p>
+        </p:txBody>
+      </p:sp>
+      <p:sp>
+        <p:nvSpPr>
+          <p:cNvPr id="7" name="矩形 6"/>
+          <p:cNvSpPr/>
+          <p:nvPr/>
+        </p:nvSpPr>
+        <p:spPr>
+          <a:xfrm>
+            <a:off x="6956425" y="1450975"/>
+            <a:ext cx="1055370" cy="566420"/>
+          </a:xfrm>
+          <a:prstGeom prst="rect">
+            <a:avLst/>
+          </a:prstGeom>
+          <a:noFill/>
+          <a:ln w="28575">
+            <a:solidFill>
+              <a:srgbClr val="2C3E50"/>
+            </a:solidFill>
+          </a:ln>
+          <a:extLst>
+            <a:ext uri="{909E8E84-426E-40DD-AFC4-6F175D3DCCD1}">
+              <a14:hiddenFill xmlns:a14="http://schemas.microsoft.com/office/drawing/2010/main">
+                <a:solidFill>
+                  <a:schemeClr val="accent1"/>
+                </a:solidFill>
+              </a14:hiddenFill>
+            </a:ext>
+          </a:extLst>
+        </p:spPr>
+        <p:style>
+          <a:lnRef idx="2">
+            <a:schemeClr val="accent1">
+              <a:shade val="50000"/>
+            </a:schemeClr>
+          </a:lnRef>
+          <a:fillRef idx="1">
+            <a:schemeClr val="accent1"/>
+          </a:fillRef>
+          <a:effectRef idx="0">
+            <a:schemeClr val="accent1"/>
+          </a:effectRef>
+          <a:fontRef idx="minor">
+            <a:schemeClr val="lt1"/>
+          </a:fontRef>
+        </p:style>
+        <p:txBody>
+          <a:bodyPr rtlCol="0" anchor="ctr"/>
+          <a:p>
+            <a:pPr algn="ctr"/>
+            <a:r>
+              <a:rPr lang="en-US" altLang="en-US" sz="1000" b="1">
+                <a:solidFill>
+                  <a:srgbClr val="2C3E50"/>
+                </a:solidFill>
+              </a:rPr>
+              <a:t>virtual-APIC page</a:t>
+            </a:r>
+            <a:endParaRPr lang="en-US" altLang="en-US" sz="1000" b="1">
+              <a:solidFill>
+                <a:srgbClr val="2C3E50"/>
+              </a:solidFill>
+            </a:endParaRPr>
+          </a:p>
+        </p:txBody>
+      </p:sp>
+      <p:cxnSp>
+        <p:nvCxnSpPr>
+          <p:cNvPr id="8" name="直接箭头连接符 7"/>
+          <p:cNvCxnSpPr>
+            <a:stCxn id="35" idx="3"/>
+            <a:endCxn id="36" idx="1"/>
+          </p:cNvCxnSpPr>
+          <p:nvPr/>
+        </p:nvCxnSpPr>
+        <p:spPr>
+          <a:xfrm flipV="true">
+            <a:off x="2345055" y="3091180"/>
+            <a:ext cx="1715135" cy="635"/>
+          </a:xfrm>
+          <a:prstGeom prst="straightConnector1">
+            <a:avLst/>
+          </a:prstGeom>
+          <a:ln w="38100">
+            <a:solidFill>
+              <a:srgbClr val="3EAF7C"/>
+            </a:solidFill>
+            <a:tailEnd type="arrow"/>
+          </a:ln>
+        </p:spPr>
+        <p:style>
+          <a:lnRef idx="1">
+            <a:schemeClr val="accent1"/>
+          </a:lnRef>
+          <a:fillRef idx="0">
+            <a:schemeClr val="accent1"/>
+          </a:fillRef>
+          <a:effectRef idx="0">
+            <a:schemeClr val="accent1"/>
+          </a:effectRef>
+          <a:fontRef idx="minor">
+            <a:schemeClr val="tx1"/>
+          </a:fontRef>
+        </p:style>
+      </p:cxnSp>
+      <p:cxnSp>
+        <p:nvCxnSpPr>
+          <p:cNvPr id="9" name="肘形连接符 8"/>
+          <p:cNvCxnSpPr>
+            <a:stCxn id="36" idx="2"/>
+            <a:endCxn id="43" idx="1"/>
+          </p:cNvCxnSpPr>
+          <p:nvPr/>
+        </p:nvCxnSpPr>
+        <p:spPr>
+          <a:xfrm rot="5400000">
+            <a:off x="3552825" y="4279900"/>
+            <a:ext cx="2034540" cy="430530"/>
+          </a:xfrm>
+          <a:prstGeom prst="bentConnector4">
+            <a:avLst>
+              <a:gd name="adj1" fmla="val 41948"/>
+              <a:gd name="adj2" fmla="val 223746"/>
+            </a:avLst>
+          </a:prstGeom>
+          <a:ln w="38100">
+            <a:solidFill>
+              <a:srgbClr val="3EAF7C"/>
+            </a:solidFill>
+            <a:tailEnd type="arrow"/>
+          </a:ln>
+        </p:spPr>
+        <p:style>
+          <a:lnRef idx="1">
+            <a:schemeClr val="accent1"/>
+          </a:lnRef>
+          <a:fillRef idx="0">
+            <a:schemeClr val="accent1"/>
+          </a:fillRef>
+          <a:effectRef idx="0">
+            <a:schemeClr val="accent1"/>
+          </a:effectRef>
+          <a:fontRef idx="minor">
+            <a:schemeClr val="tx1"/>
+          </a:fontRef>
+        </p:style>
+      </p:cxnSp>
+      <p:cxnSp>
+        <p:nvCxnSpPr>
+          <p:cNvPr id="10" name="直接箭头连接符 9"/>
+          <p:cNvCxnSpPr>
+            <a:stCxn id="36" idx="3"/>
+            <a:endCxn id="37" idx="1"/>
+          </p:cNvCxnSpPr>
+          <p:nvPr/>
+        </p:nvCxnSpPr>
+        <p:spPr>
+          <a:xfrm>
+            <a:off x="5510530" y="3091180"/>
+            <a:ext cx="1598295" cy="0"/>
+          </a:xfrm>
+          <a:prstGeom prst="straightConnector1">
+            <a:avLst/>
+          </a:prstGeom>
+          <a:ln w="38100">
+            <a:solidFill>
+              <a:srgbClr val="3EAF7C"/>
+            </a:solidFill>
+            <a:tailEnd type="arrow"/>
+          </a:ln>
+        </p:spPr>
+        <p:style>
+          <a:lnRef idx="1">
+            <a:schemeClr val="accent1"/>
+          </a:lnRef>
+          <a:fillRef idx="0">
+            <a:schemeClr val="accent1"/>
+          </a:fillRef>
+          <a:effectRef idx="0">
+            <a:schemeClr val="accent1"/>
+          </a:effectRef>
+          <a:fontRef idx="minor">
+            <a:schemeClr val="tx1"/>
+          </a:fontRef>
+        </p:style>
+      </p:cxnSp>
+      <p:cxnSp>
+        <p:nvCxnSpPr>
+          <p:cNvPr id="11" name="直接箭头连接符 10"/>
+          <p:cNvCxnSpPr>
+            <a:stCxn id="36" idx="0"/>
+            <a:endCxn id="38" idx="2"/>
+          </p:cNvCxnSpPr>
+          <p:nvPr/>
+        </p:nvCxnSpPr>
+        <p:spPr>
+          <a:xfrm flipV="true">
+            <a:off x="4785360" y="2084705"/>
+            <a:ext cx="635" cy="619760"/>
+          </a:xfrm>
+          <a:prstGeom prst="straightConnector1">
+            <a:avLst/>
+          </a:prstGeom>
+          <a:ln w="38100">
+            <a:solidFill>
+              <a:srgbClr val="3EAF7C"/>
+            </a:solidFill>
+            <a:tailEnd type="arrow"/>
+          </a:ln>
+        </p:spPr>
+        <p:style>
+          <a:lnRef idx="1">
+            <a:schemeClr val="accent1"/>
+          </a:lnRef>
+          <a:fillRef idx="0">
+            <a:schemeClr val="accent1"/>
+          </a:fillRef>
+          <a:effectRef idx="0">
+            <a:schemeClr val="accent1"/>
+          </a:effectRef>
+          <a:fontRef idx="minor">
+            <a:schemeClr val="tx1"/>
+          </a:fontRef>
+        </p:style>
+      </p:cxnSp>
+      <p:cxnSp>
+        <p:nvCxnSpPr>
+          <p:cNvPr id="12" name="直接箭头连接符 11"/>
+          <p:cNvCxnSpPr>
+            <a:stCxn id="38" idx="3"/>
+            <a:endCxn id="7" idx="1"/>
+          </p:cNvCxnSpPr>
+          <p:nvPr/>
+        </p:nvCxnSpPr>
+        <p:spPr>
+          <a:xfrm>
+            <a:off x="5490845" y="1732915"/>
+            <a:ext cx="1465580" cy="1270"/>
+          </a:xfrm>
+          <a:prstGeom prst="straightConnector1">
+            <a:avLst/>
+          </a:prstGeom>
+          <a:ln w="38100">
+            <a:solidFill>
+              <a:srgbClr val="3EAF7C"/>
+            </a:solidFill>
+            <a:tailEnd type="arrow"/>
+          </a:ln>
+        </p:spPr>
+        <p:style>
+          <a:lnRef idx="1">
+            <a:schemeClr val="accent1"/>
+          </a:lnRef>
+          <a:fillRef idx="0">
+            <a:schemeClr val="accent1"/>
+          </a:fillRef>
+          <a:effectRef idx="0">
+            <a:schemeClr val="accent1"/>
+          </a:effectRef>
+          <a:fontRef idx="minor">
+            <a:schemeClr val="tx1"/>
+          </a:fontRef>
+        </p:style>
+      </p:cxnSp>
+      <p:cxnSp>
+        <p:nvCxnSpPr>
+          <p:cNvPr id="13" name="直接箭头连接符 12"/>
+          <p:cNvCxnSpPr>
+            <a:stCxn id="5" idx="2"/>
+            <a:endCxn id="37" idx="0"/>
+          </p:cNvCxnSpPr>
+          <p:nvPr/>
+        </p:nvCxnSpPr>
+        <p:spPr>
+          <a:xfrm flipH="true">
+            <a:off x="8002270" y="2132330"/>
+            <a:ext cx="635" cy="708660"/>
+          </a:xfrm>
+          <a:prstGeom prst="straightConnector1">
+            <a:avLst/>
+          </a:prstGeom>
+          <a:ln w="38100">
+            <a:solidFill>
+              <a:srgbClr val="3EAF7C"/>
+            </a:solidFill>
+            <a:tailEnd type="arrow"/>
+          </a:ln>
+        </p:spPr>
+        <p:style>
+          <a:lnRef idx="1">
+            <a:schemeClr val="accent1"/>
+          </a:lnRef>
+          <a:fillRef idx="0">
+            <a:schemeClr val="accent1"/>
+          </a:fillRef>
+          <a:effectRef idx="0">
+            <a:schemeClr val="accent1"/>
+          </a:effectRef>
+          <a:fontRef idx="minor">
+            <a:schemeClr val="tx1"/>
+          </a:fontRef>
+        </p:style>
+      </p:cxnSp>
+      <p:sp>
+        <p:nvSpPr>
+          <p:cNvPr id="14" name="文本框 13"/>
+          <p:cNvSpPr txBox="true"/>
+          <p:nvPr/>
+        </p:nvSpPr>
+        <p:spPr>
+          <a:xfrm>
+            <a:off x="3053715" y="2704465"/>
+            <a:ext cx="297180" cy="368300"/>
+          </a:xfrm>
+          <a:prstGeom prst="rect">
+            <a:avLst/>
+          </a:prstGeom>
+          <a:noFill/>
+        </p:spPr>
+        <p:txBody>
+          <a:bodyPr wrap="none" rtlCol="0">
+            <a:spAutoFit/>
+          </a:bodyPr>
+          <a:p>
+            <a:r>
               <a:rPr lang="" altLang="zh-CN" b="1">
                 <a:solidFill>
                   <a:srgbClr val="2C3E50"/>
                 </a:solidFill>
               </a:rPr>
+              <a:t>1</a:t>
+            </a:r>
+            <a:endParaRPr lang="" altLang="zh-CN" b="1">
+              <a:solidFill>
+                <a:srgbClr val="2C3E50"/>
+              </a:solidFill>
+            </a:endParaRPr>
+          </a:p>
+        </p:txBody>
+      </p:sp>
+      <p:sp>
+        <p:nvSpPr>
+          <p:cNvPr id="15" name="文本框 14"/>
+          <p:cNvSpPr txBox="true"/>
+          <p:nvPr/>
+        </p:nvSpPr>
+        <p:spPr>
+          <a:xfrm>
+            <a:off x="4354830" y="3778885"/>
+            <a:ext cx="297180" cy="368300"/>
+          </a:xfrm>
+          <a:prstGeom prst="rect">
+            <a:avLst/>
+          </a:prstGeom>
+          <a:noFill/>
+        </p:spPr>
+        <p:txBody>
+          <a:bodyPr wrap="none" rtlCol="0">
+            <a:spAutoFit/>
+          </a:bodyPr>
+          <a:p>
+            <a:r>
+              <a:rPr lang="" altLang="en-US" b="1">
+                <a:solidFill>
+                  <a:srgbClr val="2C3E50"/>
+                </a:solidFill>
+              </a:rPr>
+              <a:t>2</a:t>
+            </a:r>
+            <a:endParaRPr lang="" altLang="en-US" b="1">
+              <a:solidFill>
+                <a:srgbClr val="2C3E50"/>
+              </a:solidFill>
+            </a:endParaRPr>
+          </a:p>
+        </p:txBody>
+      </p:sp>
+      <p:sp>
+        <p:nvSpPr>
+          <p:cNvPr id="16" name="文本框 15"/>
+          <p:cNvSpPr txBox="true"/>
+          <p:nvPr/>
+        </p:nvSpPr>
+        <p:spPr>
+          <a:xfrm>
+            <a:off x="6161405" y="2704465"/>
+            <a:ext cx="297180" cy="368300"/>
+          </a:xfrm>
+          <a:prstGeom prst="rect">
+            <a:avLst/>
+          </a:prstGeom>
+          <a:noFill/>
+        </p:spPr>
+        <p:txBody>
+          <a:bodyPr wrap="none" rtlCol="0">
+            <a:spAutoFit/>
+          </a:bodyPr>
+          <a:p>
+            <a:r>
+              <a:rPr lang="" altLang="en-US" b="1">
+                <a:solidFill>
+                  <a:srgbClr val="2C3E50"/>
+                </a:solidFill>
+              </a:rPr>
+              <a:t>3</a:t>
+            </a:r>
+            <a:endParaRPr lang="" altLang="en-US" b="1">
+              <a:solidFill>
+                <a:srgbClr val="2C3E50"/>
+              </a:solidFill>
+            </a:endParaRPr>
+          </a:p>
+        </p:txBody>
+      </p:sp>
+      <p:sp>
+        <p:nvSpPr>
+          <p:cNvPr id="17" name="文本框 16"/>
+          <p:cNvSpPr txBox="true"/>
+          <p:nvPr/>
+        </p:nvSpPr>
+        <p:spPr>
+          <a:xfrm>
+            <a:off x="4488180" y="2258695"/>
+            <a:ext cx="297180" cy="368300"/>
+          </a:xfrm>
+          <a:prstGeom prst="rect">
+            <a:avLst/>
+          </a:prstGeom>
+          <a:noFill/>
+          <a:ln w="38100">
+            <a:noFill/>
+          </a:ln>
+        </p:spPr>
+        <p:txBody>
+          <a:bodyPr wrap="none" rtlCol="0">
+            <a:spAutoFit/>
+          </a:bodyPr>
+          <a:p>
+            <a:r>
+              <a:rPr lang="" altLang="en-US" b="1">
+                <a:solidFill>
+                  <a:srgbClr val="2C3E50"/>
+                </a:solidFill>
+              </a:rPr>
+              <a:t>4</a:t>
+            </a:r>
+            <a:endParaRPr lang="" altLang="en-US" b="1">
+              <a:solidFill>
+                <a:srgbClr val="2C3E50"/>
+              </a:solidFill>
+            </a:endParaRPr>
+          </a:p>
+        </p:txBody>
+      </p:sp>
+      <p:sp>
+        <p:nvSpPr>
+          <p:cNvPr id="18" name="文本框 17"/>
+          <p:cNvSpPr txBox="true"/>
+          <p:nvPr/>
+        </p:nvSpPr>
+        <p:spPr>
+          <a:xfrm>
+            <a:off x="6075045" y="1334135"/>
+            <a:ext cx="297180" cy="368300"/>
+          </a:xfrm>
+          <a:prstGeom prst="rect">
+            <a:avLst/>
+          </a:prstGeom>
+          <a:noFill/>
+        </p:spPr>
+        <p:txBody>
+          <a:bodyPr wrap="square" rtlCol="0">
+            <a:spAutoFit/>
+          </a:bodyPr>
+          <a:p>
+            <a:r>
+              <a:rPr lang="" altLang="en-US" b="1">
+                <a:solidFill>
+                  <a:srgbClr val="2C3E50"/>
+                </a:solidFill>
+              </a:rPr>
+              <a:t>5</a:t>
+            </a:r>
+            <a:endParaRPr lang="" altLang="en-US" b="1">
+              <a:solidFill>
+                <a:srgbClr val="2C3E50"/>
+              </a:solidFill>
+            </a:endParaRPr>
+          </a:p>
+        </p:txBody>
+      </p:sp>
+      <p:sp>
+        <p:nvSpPr>
+          <p:cNvPr id="19" name="文本框 18"/>
+          <p:cNvSpPr txBox="true"/>
+          <p:nvPr/>
+        </p:nvSpPr>
+        <p:spPr>
+          <a:xfrm>
+            <a:off x="8002270" y="2258695"/>
+            <a:ext cx="297180" cy="368300"/>
+          </a:xfrm>
+          <a:prstGeom prst="rect">
+            <a:avLst/>
+          </a:prstGeom>
+          <a:noFill/>
+        </p:spPr>
+        <p:txBody>
+          <a:bodyPr wrap="none" rtlCol="0">
+            <a:spAutoFit/>
+          </a:bodyPr>
+          <a:p>
+            <a:r>
+              <a:rPr lang="" altLang="en-US" b="1">
+                <a:solidFill>
+                  <a:srgbClr val="2C3E50"/>
+                </a:solidFill>
+              </a:rPr>
+              <a:t>6</a:t>
+            </a:r>
+            <a:endParaRPr lang="" altLang="en-US" b="1">
+              <a:solidFill>
+                <a:srgbClr val="2C3E50"/>
+              </a:solidFill>
+            </a:endParaRPr>
+          </a:p>
+        </p:txBody>
+      </p:sp>
+    </p:spTree>
+  </p:cSld>
+  <p:clrMapOvr>
+    <a:masterClrMapping/>
+  </p:clrMapOvr>
+</p:sld>
+</file>
+
+<file path=ppt/slides/slide5.xml><?xml version="1.0" encoding="utf-8"?>
+<p:sld xmlns:a="http://schemas.openxmlformats.org/drawingml/2006/main" xmlns:r="http://schemas.openxmlformats.org/officeDocument/2006/relationships" xmlns:p="http://schemas.openxmlformats.org/presentationml/2006/main">
+  <p:cSld>
+    <p:spTree>
+      <p:nvGrpSpPr>
+        <p:cNvPr id="1" name=""/>
+        <p:cNvGrpSpPr/>
+        <p:nvPr/>
+      </p:nvGrpSpPr>
+      <p:grpSpPr/>
+      <p:sp>
+        <p:nvSpPr>
+          <p:cNvPr id="2" name="矩形 1"/>
+          <p:cNvSpPr/>
+          <p:nvPr/>
+        </p:nvSpPr>
+        <p:spPr>
+          <a:xfrm>
+            <a:off x="1351280" y="1028700"/>
+            <a:ext cx="1020445" cy="297180"/>
+          </a:xfrm>
+          <a:prstGeom prst="rect">
+            <a:avLst/>
+          </a:prstGeom>
+          <a:noFill/>
+          <a:ln w="28575">
+            <a:solidFill>
+              <a:srgbClr val="2C3E50"/>
+            </a:solidFill>
+          </a:ln>
+          <a:extLst>
+            <a:ext uri="{909E8E84-426E-40DD-AFC4-6F175D3DCCD1}">
+              <a14:hiddenFill xmlns:a14="http://schemas.microsoft.com/office/drawing/2010/main">
+                <a:solidFill>
+                  <a:schemeClr val="accent1"/>
+                </a:solidFill>
+              </a14:hiddenFill>
+            </a:ext>
+          </a:extLst>
+        </p:spPr>
+        <p:style>
+          <a:lnRef idx="2">
+            <a:schemeClr val="accent1">
+              <a:shade val="50000"/>
+            </a:schemeClr>
+          </a:lnRef>
+          <a:fillRef idx="1">
+            <a:schemeClr val="accent1"/>
+          </a:fillRef>
+          <a:effectRef idx="0">
+            <a:schemeClr val="accent1"/>
+          </a:effectRef>
+          <a:fontRef idx="minor">
+            <a:schemeClr val="lt1"/>
+          </a:fontRef>
+        </p:style>
+        <p:txBody>
+          <a:bodyPr rtlCol="0" anchor="ctr"/>
+          <a:p>
+            <a:pPr algn="ctr"/>
+            <a:endParaRPr lang="en-US" altLang="zh-CN" sz="1200" b="1">
+              <a:solidFill>
+                <a:srgbClr val="2C3E50"/>
+              </a:solidFill>
+            </a:endParaRPr>
+          </a:p>
+        </p:txBody>
+      </p:sp>
+      <p:sp>
+        <p:nvSpPr>
+          <p:cNvPr id="3" name="矩形 2"/>
+          <p:cNvSpPr/>
+          <p:nvPr/>
+        </p:nvSpPr>
+        <p:spPr>
+          <a:xfrm>
+            <a:off x="1351280" y="1326515"/>
+            <a:ext cx="1020445" cy="297180"/>
+          </a:xfrm>
+          <a:prstGeom prst="rect">
+            <a:avLst/>
+          </a:prstGeom>
+          <a:noFill/>
+          <a:ln w="28575">
+            <a:solidFill>
+              <a:srgbClr val="2C3E50"/>
+            </a:solidFill>
+          </a:ln>
+          <a:extLst>
+            <a:ext uri="{909E8E84-426E-40DD-AFC4-6F175D3DCCD1}">
+              <a14:hiddenFill xmlns:a14="http://schemas.microsoft.com/office/drawing/2010/main">
+                <a:solidFill>
+                  <a:schemeClr val="accent1"/>
+                </a:solidFill>
+              </a14:hiddenFill>
+            </a:ext>
+          </a:extLst>
+        </p:spPr>
+        <p:style>
+          <a:lnRef idx="2">
+            <a:schemeClr val="accent1">
+              <a:shade val="50000"/>
+            </a:schemeClr>
+          </a:lnRef>
+          <a:fillRef idx="1">
+            <a:schemeClr val="accent1"/>
+          </a:fillRef>
+          <a:effectRef idx="0">
+            <a:schemeClr val="accent1"/>
+          </a:effectRef>
+          <a:fontRef idx="minor">
+            <a:schemeClr val="lt1"/>
+          </a:fontRef>
+        </p:style>
+        <p:txBody>
+          <a:bodyPr rtlCol="0" anchor="ctr"/>
+          <a:p>
+            <a:pPr algn="ctr"/>
+            <a:r>
+              <a:rPr lang="en-US" altLang="zh-CN" sz="1200" b="1">
+                <a:solidFill>
+                  <a:srgbClr val="2C3E50"/>
+                </a:solidFill>
+              </a:rPr>
+              <a:t>irq_routing</a:t>
+            </a:r>
+            <a:endParaRPr lang="en-US" altLang="zh-CN" sz="1200" b="1">
+              <a:solidFill>
+                <a:srgbClr val="2C3E50"/>
+              </a:solidFill>
+            </a:endParaRPr>
+          </a:p>
+        </p:txBody>
+      </p:sp>
+      <p:sp>
+        <p:nvSpPr>
+          <p:cNvPr id="4" name="矩形 3"/>
+          <p:cNvSpPr/>
+          <p:nvPr/>
+        </p:nvSpPr>
+        <p:spPr>
+          <a:xfrm>
+            <a:off x="1351280" y="1624330"/>
+            <a:ext cx="1020445" cy="297180"/>
+          </a:xfrm>
+          <a:prstGeom prst="rect">
+            <a:avLst/>
+          </a:prstGeom>
+          <a:noFill/>
+          <a:ln w="28575">
+            <a:solidFill>
+              <a:srgbClr val="2C3E50"/>
+            </a:solidFill>
+          </a:ln>
+          <a:extLst>
+            <a:ext uri="{909E8E84-426E-40DD-AFC4-6F175D3DCCD1}">
+              <a14:hiddenFill xmlns:a14="http://schemas.microsoft.com/office/drawing/2010/main">
+                <a:solidFill>
+                  <a:schemeClr val="accent1"/>
+                </a:solidFill>
+              </a14:hiddenFill>
+            </a:ext>
+          </a:extLst>
+        </p:spPr>
+        <p:style>
+          <a:lnRef idx="2">
+            <a:schemeClr val="accent1">
+              <a:shade val="50000"/>
+            </a:schemeClr>
+          </a:lnRef>
+          <a:fillRef idx="1">
+            <a:schemeClr val="accent1"/>
+          </a:fillRef>
+          <a:effectRef idx="0">
+            <a:schemeClr val="accent1"/>
+          </a:effectRef>
+          <a:fontRef idx="minor">
+            <a:schemeClr val="lt1"/>
+          </a:fontRef>
+        </p:style>
+        <p:txBody>
+          <a:bodyPr rtlCol="0" anchor="ctr"/>
+          <a:p>
+            <a:pPr algn="ctr"/>
+            <a:endParaRPr lang="en-US" altLang="zh-CN" sz="1200" b="1">
+              <a:solidFill>
+                <a:srgbClr val="2C3E50"/>
+              </a:solidFill>
+            </a:endParaRPr>
+          </a:p>
+        </p:txBody>
+      </p:sp>
+      <p:sp>
+        <p:nvSpPr>
+          <p:cNvPr id="5" name="文本框 4"/>
+          <p:cNvSpPr txBox="true"/>
+          <p:nvPr/>
+        </p:nvSpPr>
+        <p:spPr>
+          <a:xfrm>
+            <a:off x="1280160" y="660400"/>
+            <a:ext cx="614680" cy="368300"/>
+          </a:xfrm>
+          <a:prstGeom prst="rect">
+            <a:avLst/>
+          </a:prstGeom>
+          <a:noFill/>
+        </p:spPr>
+        <p:txBody>
+          <a:bodyPr wrap="none" rtlCol="0">
+            <a:spAutoFit/>
+          </a:bodyPr>
+          <a:p>
+            <a:r>
+              <a:rPr lang="en-US" altLang="zh-CN" b="1">
+                <a:solidFill>
+                  <a:srgbClr val="2C3E50"/>
+                </a:solidFill>
+              </a:rPr>
               <a:t>kvm</a:t>
             </a:r>
-            <a:endParaRPr lang="" altLang="zh-CN" b="1">
+            <a:endParaRPr lang="en-US" altLang="zh-CN" b="1">
               <a:solidFill>
                 <a:srgbClr val="2C3E50"/>
               </a:solidFill>
@@ -8572,14 +9925,14 @@
                 <a:t>chip</a:t>
               </a:r>
               <a:r>
-                <a:rPr lang="" altLang="en-US" sz="1200" b="1">
+                <a:rPr lang="en-US" altLang="en-US" sz="1200" b="1">
                   <a:solidFill>
                     <a:srgbClr val="2C3E50"/>
                   </a:solidFill>
                 </a:rPr>
                 <a:t>[][]</a:t>
               </a:r>
-              <a:endParaRPr lang="" altLang="en-US" sz="1200" b="1">
+              <a:endParaRPr lang="en-US" altLang="en-US" sz="1200" b="1">
                 <a:solidFill>
                   <a:srgbClr val="2C3E50"/>
                 </a:solidFill>
@@ -8712,14 +10065,14 @@
                 <a:t>map</a:t>
               </a:r>
               <a:r>
-                <a:rPr lang="" altLang="en-US" sz="1200" b="1">
+                <a:rPr lang="en-US" altLang="en-US" sz="1200" b="1">
                   <a:solidFill>
                     <a:srgbClr val="2C3E50"/>
                   </a:solidFill>
                 </a:rPr>
                 <a:t>[]</a:t>
               </a:r>
-              <a:endParaRPr lang="" altLang="en-US" sz="1200" b="1">
+              <a:endParaRPr lang="en-US" altLang="en-US" sz="1200" b="1">
                 <a:solidFill>
                   <a:srgbClr val="2C3E50"/>
                 </a:solidFill>
@@ -9059,14 +10412,14 @@
               <a:t>irqchip</a:t>
             </a:r>
             <a:r>
-              <a:rPr lang="" altLang="en-US" sz="1200" b="1">
+              <a:rPr lang="en-US" altLang="en-US" sz="1200" b="1">
                 <a:solidFill>
                   <a:srgbClr val="2C3E50"/>
                 </a:solidFill>
               </a:rPr>
               <a:t>/msi</a:t>
             </a:r>
-            <a:endParaRPr lang="" altLang="en-US" sz="1200" b="1">
+            <a:endParaRPr lang="en-US" altLang="en-US" sz="1200" b="1">
               <a:solidFill>
                 <a:srgbClr val="2C3E50"/>
               </a:solidFill>
@@ -10144,14 +11497,14 @@
           </a:bodyPr>
           <a:p>
             <a:r>
-              <a:rPr lang="zh-CN" altLang="" b="1">
+              <a:rPr lang="zh-CN" altLang="en-US" b="1">
                 <a:solidFill>
                   <a:srgbClr val="2C3E50"/>
                 </a:solidFill>
               </a:rPr>
               <a:t>路由表</a:t>
             </a:r>
-            <a:endParaRPr lang="zh-CN" altLang="" b="1">
+            <a:endParaRPr lang="zh-CN" altLang="en-US" b="1">
               <a:solidFill>
                 <a:srgbClr val="2C3E50"/>
               </a:solidFill>
@@ -10159,24 +11512,6 @@
           </a:p>
         </p:txBody>
       </p:sp>
-    </p:spTree>
-  </p:cSld>
-  <p:clrMapOvr>
-    <a:masterClrMapping/>
-  </p:clrMapOvr>
-</p:sld>
-</file>
-
-<file path=ppt/slides/slide5.xml><?xml version="1.0" encoding="utf-8"?>
-<p:sld xmlns:a="http://schemas.openxmlformats.org/drawingml/2006/main" xmlns:r="http://schemas.openxmlformats.org/officeDocument/2006/relationships" xmlns:p="http://schemas.openxmlformats.org/presentationml/2006/main">
-  <p:cSld>
-    <p:spTree>
-      <p:nvGrpSpPr>
-        <p:cNvPr id="1" name=""/>
-        <p:cNvGrpSpPr/>
-        <p:nvPr/>
-      </p:nvGrpSpPr>
-      <p:grpSpPr/>
     </p:spTree>
   </p:cSld>
   <p:clrMapOvr>
